--- a/픽스어빌리티 브랜드 홈페이지 기획.pptx
+++ b/픽스어빌리티 브랜드 홈페이지 기획.pptx
@@ -248,7 +248,7 @@
           <a:p>
             <a:fld id="{E103D645-6B18-4AA4-8636-2C4CD7DF34C7}" type="datetimeFigureOut">
               <a:rPr lang="ko-KR" altLang="en-US" smtClean="0"/>
-              <a:t>2020-11-17</a:t>
+              <a:t>2020-11-23</a:t>
             </a:fld>
             <a:endParaRPr lang="ko-KR" altLang="en-US"/>
           </a:p>
@@ -418,7 +418,7 @@
           <a:p>
             <a:fld id="{E103D645-6B18-4AA4-8636-2C4CD7DF34C7}" type="datetimeFigureOut">
               <a:rPr lang="ko-KR" altLang="en-US" smtClean="0"/>
-              <a:t>2020-11-17</a:t>
+              <a:t>2020-11-23</a:t>
             </a:fld>
             <a:endParaRPr lang="ko-KR" altLang="en-US"/>
           </a:p>
@@ -598,7 +598,7 @@
           <a:p>
             <a:fld id="{E103D645-6B18-4AA4-8636-2C4CD7DF34C7}" type="datetimeFigureOut">
               <a:rPr lang="ko-KR" altLang="en-US" smtClean="0"/>
-              <a:t>2020-11-17</a:t>
+              <a:t>2020-11-23</a:t>
             </a:fld>
             <a:endParaRPr lang="ko-KR" altLang="en-US"/>
           </a:p>
@@ -768,7 +768,7 @@
           <a:p>
             <a:fld id="{E103D645-6B18-4AA4-8636-2C4CD7DF34C7}" type="datetimeFigureOut">
               <a:rPr lang="ko-KR" altLang="en-US" smtClean="0"/>
-              <a:t>2020-11-17</a:t>
+              <a:t>2020-11-23</a:t>
             </a:fld>
             <a:endParaRPr lang="ko-KR" altLang="en-US"/>
           </a:p>
@@ -1014,7 +1014,7 @@
           <a:p>
             <a:fld id="{E103D645-6B18-4AA4-8636-2C4CD7DF34C7}" type="datetimeFigureOut">
               <a:rPr lang="ko-KR" altLang="en-US" smtClean="0"/>
-              <a:t>2020-11-17</a:t>
+              <a:t>2020-11-23</a:t>
             </a:fld>
             <a:endParaRPr lang="ko-KR" altLang="en-US"/>
           </a:p>
@@ -1246,7 +1246,7 @@
           <a:p>
             <a:fld id="{E103D645-6B18-4AA4-8636-2C4CD7DF34C7}" type="datetimeFigureOut">
               <a:rPr lang="ko-KR" altLang="en-US" smtClean="0"/>
-              <a:t>2020-11-17</a:t>
+              <a:t>2020-11-23</a:t>
             </a:fld>
             <a:endParaRPr lang="ko-KR" altLang="en-US"/>
           </a:p>
@@ -1613,7 +1613,7 @@
           <a:p>
             <a:fld id="{E103D645-6B18-4AA4-8636-2C4CD7DF34C7}" type="datetimeFigureOut">
               <a:rPr lang="ko-KR" altLang="en-US" smtClean="0"/>
-              <a:t>2020-11-17</a:t>
+              <a:t>2020-11-23</a:t>
             </a:fld>
             <a:endParaRPr lang="ko-KR" altLang="en-US"/>
           </a:p>
@@ -1731,7 +1731,7 @@
           <a:p>
             <a:fld id="{E103D645-6B18-4AA4-8636-2C4CD7DF34C7}" type="datetimeFigureOut">
               <a:rPr lang="ko-KR" altLang="en-US" smtClean="0"/>
-              <a:t>2020-11-17</a:t>
+              <a:t>2020-11-23</a:t>
             </a:fld>
             <a:endParaRPr lang="ko-KR" altLang="en-US"/>
           </a:p>
@@ -1826,7 +1826,7 @@
           <a:p>
             <a:fld id="{E103D645-6B18-4AA4-8636-2C4CD7DF34C7}" type="datetimeFigureOut">
               <a:rPr lang="ko-KR" altLang="en-US" smtClean="0"/>
-              <a:t>2020-11-17</a:t>
+              <a:t>2020-11-23</a:t>
             </a:fld>
             <a:endParaRPr lang="ko-KR" altLang="en-US"/>
           </a:p>
@@ -2103,7 +2103,7 @@
           <a:p>
             <a:fld id="{E103D645-6B18-4AA4-8636-2C4CD7DF34C7}" type="datetimeFigureOut">
               <a:rPr lang="ko-KR" altLang="en-US" smtClean="0"/>
-              <a:t>2020-11-17</a:t>
+              <a:t>2020-11-23</a:t>
             </a:fld>
             <a:endParaRPr lang="ko-KR" altLang="en-US"/>
           </a:p>
@@ -2356,7 +2356,7 @@
           <a:p>
             <a:fld id="{E103D645-6B18-4AA4-8636-2C4CD7DF34C7}" type="datetimeFigureOut">
               <a:rPr lang="ko-KR" altLang="en-US" smtClean="0"/>
-              <a:t>2020-11-17</a:t>
+              <a:t>2020-11-23</a:t>
             </a:fld>
             <a:endParaRPr lang="ko-KR" altLang="en-US"/>
           </a:p>
@@ -2569,7 +2569,7 @@
           <a:p>
             <a:fld id="{E103D645-6B18-4AA4-8636-2C4CD7DF34C7}" type="datetimeFigureOut">
               <a:rPr lang="ko-KR" altLang="en-US" smtClean="0"/>
-              <a:t>2020-11-17</a:t>
+              <a:t>2020-11-23</a:t>
             </a:fld>
             <a:endParaRPr lang="ko-KR" altLang="en-US"/>
           </a:p>
@@ -5544,7 +5544,17 @@
                 <a:latin typeface="맑은 고딕" pitchFamily="50" charset="-127"/>
                 <a:ea typeface="맑은 고딕" pitchFamily="50" charset="-127"/>
               </a:rPr>
-              <a:t>2020. 09</a:t>
+              <a:t>2020. </a:t>
+            </a:r>
+            <a:r>
+              <a:rPr lang="en-US" altLang="ko-KR" sz="1400" b="1" dirty="0" smtClean="0">
+                <a:solidFill>
+                  <a:schemeClr val="tx1"/>
+                </a:solidFill>
+                <a:latin typeface="맑은 고딕" pitchFamily="50" charset="-127"/>
+                <a:ea typeface="맑은 고딕" pitchFamily="50" charset="-127"/>
+              </a:rPr>
+              <a:t>11</a:t>
             </a:r>
             <a:endParaRPr lang="ko-KR" altLang="en-US" sz="1400" b="1" dirty="0">
               <a:solidFill>
@@ -6339,7 +6349,7 @@
           </a:lstStyle>
           <a:p>
             <a:r>
-              <a:rPr lang="en-US" altLang="ko-KR" sz="1400" b="1" dirty="0">
+              <a:rPr lang="en-US" altLang="ko-KR" sz="1400" b="1" dirty="0" smtClean="0">
                 <a:solidFill>
                   <a:schemeClr val="bg2">
                     <a:lumMod val="50000"/>
@@ -6348,7 +6358,19 @@
                 <a:latin typeface="맑은 고딕" pitchFamily="50" charset="-127"/>
                 <a:ea typeface="맑은 고딕" pitchFamily="50" charset="-127"/>
               </a:rPr>
-              <a:t>2020.  12</a:t>
+              <a:t>2021.  </a:t>
+            </a:r>
+            <a:r>
+              <a:rPr lang="en-US" altLang="ko-KR" sz="1400" b="1" dirty="0" smtClean="0">
+                <a:solidFill>
+                  <a:schemeClr val="bg2">
+                    <a:lumMod val="50000"/>
+                  </a:schemeClr>
+                </a:solidFill>
+                <a:latin typeface="맑은 고딕" pitchFamily="50" charset="-127"/>
+                <a:ea typeface="맑은 고딕" pitchFamily="50" charset="-127"/>
+              </a:rPr>
+              <a:t>05</a:t>
             </a:r>
             <a:endParaRPr lang="ko-KR" altLang="en-US" sz="1400" b="1" dirty="0">
               <a:solidFill>
@@ -6774,7 +6796,19 @@
                 <a:latin typeface="맑은 고딕" pitchFamily="50" charset="-127"/>
                 <a:ea typeface="맑은 고딕" pitchFamily="50" charset="-127"/>
               </a:rPr>
-              <a:t>2021. 04</a:t>
+              <a:t>2021. </a:t>
+            </a:r>
+            <a:r>
+              <a:rPr lang="en-US" altLang="ko-KR" sz="1400" b="1" dirty="0" smtClean="0">
+                <a:solidFill>
+                  <a:schemeClr val="bg2">
+                    <a:lumMod val="50000"/>
+                  </a:schemeClr>
+                </a:solidFill>
+                <a:latin typeface="맑은 고딕" pitchFamily="50" charset="-127"/>
+                <a:ea typeface="맑은 고딕" pitchFamily="50" charset="-127"/>
+              </a:rPr>
+              <a:t>06</a:t>
             </a:r>
             <a:endParaRPr lang="ko-KR" altLang="en-US" sz="1400" b="1" dirty="0">
               <a:solidFill>
@@ -7958,13 +7992,7 @@
               <a:rPr lang="ko-KR" altLang="en-US" sz="1200" b="1" dirty="0" smtClean="0">
                 <a:latin typeface="맑은 고딕" pitchFamily="50" charset="-127"/>
               </a:rPr>
-              <a:t>완전한 </a:t>
-            </a:r>
-            <a:r>
-              <a:rPr lang="ko-KR" altLang="en-US" sz="1200" b="1" dirty="0" smtClean="0">
-                <a:latin typeface="맑은 고딕" pitchFamily="50" charset="-127"/>
-              </a:rPr>
-              <a:t>계약 절차 </a:t>
+              <a:t>완전한 계약 절차 </a:t>
             </a:r>
             <a:endParaRPr lang="en-US" altLang="ko-KR" sz="1200" b="1" dirty="0">
               <a:latin typeface="Bahnschrift Condensed" panose="020B0502040204020203" pitchFamily="34" charset="0"/>
